--- a/lectures/lecture-10/Lecture_10_MR_Algs2.pptx
+++ b/lectures/lecture-10/Lecture_10_MR_Algs2.pptx
@@ -29670,15 +29670,23 @@
                   <a:schemeClr val="tx1"/>
                 </a:solidFill>
               </a:rPr>
-              <a:t>) of A, emit ((</a:t>
-            </a:r>
-            <a:r>
-              <a:rPr lang="en-US" sz="2800" dirty="0" err="1">
+              <a:t>) of A, emit </a:t>
+            </a:r>
+            <a:r>
+              <a:rPr lang="en-US" sz="2800">
                 <a:solidFill>
                   <a:schemeClr val="tx1"/>
                 </a:solidFill>
               </a:rPr>
-              <a:t>i</a:t>
+              <a:t>((</a:t>
+            </a:r>
+            <a:r>
+              <a:rPr lang="en-US" sz="2800" smtClean="0">
+                <a:solidFill>
+                  <a:schemeClr val="tx1"/>
+                </a:solidFill>
+              </a:rPr>
+              <a:t>i,k</a:t>
             </a:r>
             <a:r>
               <a:rPr lang="en-US" sz="2800" dirty="0">
@@ -29686,7 +29694,7 @@
                   <a:schemeClr val="tx1"/>
                 </a:solidFill>
               </a:rPr>
-              <a:t>,,k),A[</a:t>
+              <a:t>),A[</a:t>
             </a:r>
             <a:r>
               <a:rPr lang="en-US" sz="2800" dirty="0" err="1">
